--- a/schedule/ワンシート企画書変更2.pptx
+++ b/schedule/ワンシート企画書変更2.pptx
@@ -243,7 +243,7 @@
           <a:p>
             <a:fld id="{BBC123B1-0A9E-407F-A707-7F56FF17E2F8}" type="datetimeFigureOut">
               <a:rPr kumimoji="1" lang="ja-JP" altLang="en-US" smtClean="0"/>
-              <a:t>2020/10/20</a:t>
+              <a:t>2020/10/21</a:t>
             </a:fld>
             <a:endParaRPr kumimoji="1" lang="ja-JP" altLang="en-US"/>
           </a:p>
@@ -445,7 +445,7 @@
           <a:p>
             <a:fld id="{BBC123B1-0A9E-407F-A707-7F56FF17E2F8}" type="datetimeFigureOut">
               <a:rPr kumimoji="1" lang="ja-JP" altLang="en-US" smtClean="0"/>
-              <a:t>2020/10/20</a:t>
+              <a:t>2020/10/21</a:t>
             </a:fld>
             <a:endParaRPr kumimoji="1" lang="ja-JP" altLang="en-US"/>
           </a:p>
@@ -657,7 +657,7 @@
           <a:p>
             <a:fld id="{BBC123B1-0A9E-407F-A707-7F56FF17E2F8}" type="datetimeFigureOut">
               <a:rPr kumimoji="1" lang="ja-JP" altLang="en-US" smtClean="0"/>
-              <a:t>2020/10/20</a:t>
+              <a:t>2020/10/21</a:t>
             </a:fld>
             <a:endParaRPr kumimoji="1" lang="ja-JP" altLang="en-US"/>
           </a:p>
@@ -859,7 +859,7 @@
           <a:p>
             <a:fld id="{BBC123B1-0A9E-407F-A707-7F56FF17E2F8}" type="datetimeFigureOut">
               <a:rPr kumimoji="1" lang="ja-JP" altLang="en-US" smtClean="0"/>
-              <a:t>2020/10/20</a:t>
+              <a:t>2020/10/21</a:t>
             </a:fld>
             <a:endParaRPr kumimoji="1" lang="ja-JP" altLang="en-US"/>
           </a:p>
@@ -1105,7 +1105,7 @@
           <a:p>
             <a:fld id="{BBC123B1-0A9E-407F-A707-7F56FF17E2F8}" type="datetimeFigureOut">
               <a:rPr kumimoji="1" lang="ja-JP" altLang="en-US" smtClean="0"/>
-              <a:t>2020/10/20</a:t>
+              <a:t>2020/10/21</a:t>
             </a:fld>
             <a:endParaRPr kumimoji="1" lang="ja-JP" altLang="en-US"/>
           </a:p>
@@ -1401,7 +1401,7 @@
           <a:p>
             <a:fld id="{BBC123B1-0A9E-407F-A707-7F56FF17E2F8}" type="datetimeFigureOut">
               <a:rPr kumimoji="1" lang="ja-JP" altLang="en-US" smtClean="0"/>
-              <a:t>2020/10/20</a:t>
+              <a:t>2020/10/21</a:t>
             </a:fld>
             <a:endParaRPr kumimoji="1" lang="ja-JP" altLang="en-US"/>
           </a:p>
@@ -1832,7 +1832,7 @@
           <a:p>
             <a:fld id="{BBC123B1-0A9E-407F-A707-7F56FF17E2F8}" type="datetimeFigureOut">
               <a:rPr kumimoji="1" lang="ja-JP" altLang="en-US" smtClean="0"/>
-              <a:t>2020/10/20</a:t>
+              <a:t>2020/10/21</a:t>
             </a:fld>
             <a:endParaRPr kumimoji="1" lang="ja-JP" altLang="en-US"/>
           </a:p>
@@ -1950,7 +1950,7 @@
           <a:p>
             <a:fld id="{BBC123B1-0A9E-407F-A707-7F56FF17E2F8}" type="datetimeFigureOut">
               <a:rPr kumimoji="1" lang="ja-JP" altLang="en-US" smtClean="0"/>
-              <a:t>2020/10/20</a:t>
+              <a:t>2020/10/21</a:t>
             </a:fld>
             <a:endParaRPr kumimoji="1" lang="ja-JP" altLang="en-US"/>
           </a:p>
@@ -2045,7 +2045,7 @@
           <a:p>
             <a:fld id="{BBC123B1-0A9E-407F-A707-7F56FF17E2F8}" type="datetimeFigureOut">
               <a:rPr kumimoji="1" lang="ja-JP" altLang="en-US" smtClean="0"/>
-              <a:t>2020/10/20</a:t>
+              <a:t>2020/10/21</a:t>
             </a:fld>
             <a:endParaRPr kumimoji="1" lang="ja-JP" altLang="en-US"/>
           </a:p>
@@ -2354,7 +2354,7 @@
           <a:p>
             <a:fld id="{BBC123B1-0A9E-407F-A707-7F56FF17E2F8}" type="datetimeFigureOut">
               <a:rPr kumimoji="1" lang="ja-JP" altLang="en-US" smtClean="0"/>
-              <a:t>2020/10/20</a:t>
+              <a:t>2020/10/21</a:t>
             </a:fld>
             <a:endParaRPr kumimoji="1" lang="ja-JP" altLang="en-US"/>
           </a:p>
@@ -2607,7 +2607,7 @@
           <a:p>
             <a:fld id="{BBC123B1-0A9E-407F-A707-7F56FF17E2F8}" type="datetimeFigureOut">
               <a:rPr kumimoji="1" lang="ja-JP" altLang="en-US" smtClean="0"/>
-              <a:t>2020/10/20</a:t>
+              <a:t>2020/10/21</a:t>
             </a:fld>
             <a:endParaRPr kumimoji="1" lang="ja-JP" altLang="en-US"/>
           </a:p>
@@ -2852,7 +2852,7 @@
           <a:p>
             <a:fld id="{BBC123B1-0A9E-407F-A707-7F56FF17E2F8}" type="datetimeFigureOut">
               <a:rPr kumimoji="1" lang="ja-JP" altLang="en-US" smtClean="0"/>
-              <a:t>2020/10/20</a:t>
+              <a:t>2020/10/21</a:t>
             </a:fld>
             <a:endParaRPr kumimoji="1" lang="ja-JP" altLang="en-US"/>
           </a:p>
@@ -3661,7 +3661,49 @@
                 <a:latin typeface="HGP創英角ﾎﾟｯﾌﾟ体" panose="040B0A00000000000000" pitchFamily="50" charset="-128"/>
                 <a:ea typeface="HGP創英角ﾎﾟｯﾌﾟ体" panose="040B0A00000000000000" pitchFamily="50" charset="-128"/>
               </a:rPr>
-              <a:t>家を留守にした飼い主、豪邸に忍び寄るのは、数多くのネズミ達！</a:t>
+              <a:t>家を留守にした飼い主、豪邸に忍び寄るのは、数多くのネズミ</a:t>
+            </a:r>
+            <a:r>
+              <a:rPr kumimoji="1" lang="ja-JP" altLang="en-US" b="1" smtClean="0">
+                <a:ln w="6600">
+                  <a:solidFill>
+                    <a:srgbClr val="993300"/>
+                  </a:solidFill>
+                  <a:prstDash val="solid"/>
+                </a:ln>
+                <a:solidFill>
+                  <a:schemeClr val="bg1"/>
+                </a:solidFill>
+                <a:effectLst>
+                  <a:outerShdw dist="38100" dir="2700000" algn="tl" rotWithShape="0">
+                    <a:schemeClr val="accent2"/>
+                  </a:outerShdw>
+                </a:effectLst>
+                <a:latin typeface="HGP創英角ﾎﾟｯﾌﾟ体" panose="040B0A00000000000000" pitchFamily="50" charset="-128"/>
+                <a:ea typeface="HGP創英角ﾎﾟｯﾌﾟ体" panose="040B0A00000000000000" pitchFamily="50" charset="-128"/>
+              </a:rPr>
+              <a:t>達</a:t>
+            </a:r>
+            <a:r>
+              <a:rPr kumimoji="1" lang="ja-JP" altLang="en-US" b="1" smtClean="0">
+                <a:ln w="6600">
+                  <a:solidFill>
+                    <a:srgbClr val="993300"/>
+                  </a:solidFill>
+                  <a:prstDash val="solid"/>
+                </a:ln>
+                <a:solidFill>
+                  <a:schemeClr val="bg1"/>
+                </a:solidFill>
+                <a:effectLst>
+                  <a:outerShdw dist="38100" dir="2700000" algn="tl" rotWithShape="0">
+                    <a:schemeClr val="accent2"/>
+                  </a:outerShdw>
+                </a:effectLst>
+                <a:latin typeface="HGP創英角ﾎﾟｯﾌﾟ体" panose="040B0A00000000000000" pitchFamily="50" charset="-128"/>
+                <a:ea typeface="HGP創英角ﾎﾟｯﾌﾟ体" panose="040B0A00000000000000" pitchFamily="50" charset="-128"/>
+              </a:rPr>
+              <a:t>！瞬間的</a:t>
             </a:r>
             <a:endParaRPr kumimoji="1" lang="en-US" altLang="ja-JP" b="1" dirty="0" smtClean="0">
               <a:ln w="6600">
@@ -3780,31 +3822,7 @@
                 <a:latin typeface="HGP創英角ﾎﾟｯﾌﾟ体" panose="040B0A00000000000000" pitchFamily="50" charset="-128"/>
                 <a:ea typeface="HGP創英角ﾎﾟｯﾌﾟ体" panose="040B0A00000000000000" pitchFamily="50" charset="-128"/>
               </a:rPr>
-              <a:t>かわいい世界観で、普段</a:t>
-            </a:r>
-            <a:r>
-              <a:rPr kumimoji="1" lang="ja-JP" altLang="en-US" sz="2800" b="1" dirty="0" smtClean="0">
-                <a:ln w="19050">
-                  <a:solidFill>
-                    <a:srgbClr val="993300"/>
-                  </a:solidFill>
-                  <a:prstDash val="solid"/>
-                </a:ln>
-                <a:solidFill>
-                  <a:schemeClr val="bg1"/>
-                </a:solidFill>
-                <a:effectLst>
-                  <a:outerShdw blurRad="12700" dist="38100" dir="2700000" algn="tl" rotWithShape="0">
-                    <a:schemeClr val="accent5">
-                      <a:lumMod val="60000"/>
-                      <a:lumOff val="40000"/>
-                    </a:schemeClr>
-                  </a:outerShdw>
-                </a:effectLst>
-                <a:latin typeface="HGP創英角ﾎﾟｯﾌﾟ体" panose="040B0A00000000000000" pitchFamily="50" charset="-128"/>
-                <a:ea typeface="HGP創英角ﾎﾟｯﾌﾟ体" panose="040B0A00000000000000" pitchFamily="50" charset="-128"/>
-              </a:rPr>
-              <a:t>ゲーム</a:t>
+              <a:t>かわいい世界観で、普段ゲーム</a:t>
             </a:r>
             <a:endParaRPr kumimoji="1" lang="en-US" altLang="ja-JP" sz="2800" b="1" dirty="0" smtClean="0">
               <a:ln w="19050">
@@ -3885,7 +3903,7 @@
         </p:nvSpPr>
         <p:spPr>
           <a:xfrm>
-            <a:off x="1490100" y="3675116"/>
+            <a:off x="1549973" y="3667676"/>
             <a:ext cx="1652661" cy="523220"/>
           </a:xfrm>
           <a:prstGeom prst="rect">
@@ -4108,7 +4126,7 @@
         </p:blipFill>
         <p:spPr>
           <a:xfrm>
-            <a:off x="9261799" y="2598944"/>
+            <a:off x="9327978" y="2658432"/>
             <a:ext cx="1141464" cy="796964"/>
           </a:xfrm>
           <a:prstGeom prst="rect">
@@ -4425,7 +4443,7 @@
         </p:nvSpPr>
         <p:spPr>
           <a:xfrm>
-            <a:off x="2376162" y="4269155"/>
+            <a:off x="2681891" y="4278960"/>
             <a:ext cx="3229651" cy="1938992"/>
           </a:xfrm>
           <a:prstGeom prst="rect">
@@ -4621,7 +4639,7 @@
         </p:blipFill>
         <p:spPr>
           <a:xfrm>
-            <a:off x="2452692" y="5144300"/>
+            <a:off x="2758421" y="5154105"/>
             <a:ext cx="1094969" cy="756745"/>
           </a:xfrm>
           <a:prstGeom prst="rect">
@@ -4637,7 +4655,7 @@
         </p:nvSpPr>
         <p:spPr>
           <a:xfrm rot="21208938">
-            <a:off x="3804168" y="4990938"/>
+            <a:off x="4109897" y="5000743"/>
             <a:ext cx="1629053" cy="646331"/>
           </a:xfrm>
           <a:prstGeom prst="rect">
@@ -4703,7 +4721,7 @@
         </p:nvSpPr>
         <p:spPr>
           <a:xfrm rot="20804269">
-            <a:off x="3541717" y="4989266"/>
+            <a:off x="3847446" y="4999071"/>
             <a:ext cx="1427299" cy="50026"/>
           </a:xfrm>
           <a:prstGeom prst="flowChartInputOutput">
@@ -4741,7 +4759,7 @@
         </p:nvSpPr>
         <p:spPr>
           <a:xfrm rot="10418054">
-            <a:off x="3718643" y="5588884"/>
+            <a:off x="4024372" y="5598689"/>
             <a:ext cx="1427299" cy="50026"/>
           </a:xfrm>
           <a:prstGeom prst="flowChartInputOutput">
@@ -4861,6 +4879,186 @@
           </a:prstGeom>
         </p:spPr>
       </p:pic>
+      <p:sp>
+        <p:nvSpPr>
+          <p:cNvPr id="6" name="テキスト ボックス 5"/>
+          <p:cNvSpPr txBox="1"/>
+          <p:nvPr/>
+        </p:nvSpPr>
+        <p:spPr>
+          <a:xfrm>
+            <a:off x="192739" y="3954519"/>
+            <a:ext cx="1035236" cy="338554"/>
+          </a:xfrm>
+          <a:prstGeom prst="rect">
+            <a:avLst/>
+          </a:prstGeom>
+        </p:spPr>
+        <p:style>
+          <a:lnRef idx="3">
+            <a:schemeClr val="lt1"/>
+          </a:lnRef>
+          <a:fillRef idx="1">
+            <a:schemeClr val="dk1"/>
+          </a:fillRef>
+          <a:effectRef idx="1">
+            <a:schemeClr val="dk1"/>
+          </a:effectRef>
+          <a:fontRef idx="minor">
+            <a:schemeClr val="lt1"/>
+          </a:fontRef>
+        </p:style>
+        <p:txBody>
+          <a:bodyPr wrap="square" rtlCol="0">
+            <a:spAutoFit/>
+          </a:bodyPr>
+          <a:lstStyle/>
+          <a:p>
+            <a:r>
+              <a:rPr lang="ja-JP" altLang="en-US" sz="1600" b="1" dirty="0">
+                <a:ln w="9525">
+                  <a:solidFill>
+                    <a:schemeClr val="bg1"/>
+                  </a:solidFill>
+                  <a:prstDash val="solid"/>
+                </a:ln>
+                <a:solidFill>
+                  <a:srgbClr val="FF0000"/>
+                </a:solidFill>
+                <a:effectLst>
+                  <a:outerShdw blurRad="12700" dist="38100" dir="2700000" algn="tl" rotWithShape="0">
+                    <a:schemeClr val="accent5">
+                      <a:lumMod val="60000"/>
+                      <a:lumOff val="40000"/>
+                    </a:schemeClr>
+                  </a:outerShdw>
+                </a:effectLst>
+              </a:rPr>
+              <a:t>範囲</a:t>
+            </a:r>
+            <a:r>
+              <a:rPr kumimoji="1" lang="ja-JP" altLang="en-US" sz="1600" b="1" dirty="0" smtClean="0">
+                <a:ln w="9525">
+                  <a:solidFill>
+                    <a:schemeClr val="bg1"/>
+                  </a:solidFill>
+                  <a:prstDash val="solid"/>
+                </a:ln>
+                <a:solidFill>
+                  <a:srgbClr val="FF0000"/>
+                </a:solidFill>
+                <a:effectLst>
+                  <a:outerShdw blurRad="12700" dist="38100" dir="2700000" algn="tl" rotWithShape="0">
+                    <a:schemeClr val="accent5">
+                      <a:lumMod val="60000"/>
+                      <a:lumOff val="40000"/>
+                    </a:schemeClr>
+                  </a:outerShdw>
+                </a:effectLst>
+              </a:rPr>
+              <a:t>攻撃</a:t>
+            </a:r>
+            <a:endParaRPr kumimoji="1" lang="ja-JP" altLang="en-US" sz="1600" b="1" dirty="0">
+              <a:ln w="9525">
+                <a:solidFill>
+                  <a:schemeClr val="bg1"/>
+                </a:solidFill>
+                <a:prstDash val="solid"/>
+              </a:ln>
+              <a:solidFill>
+                <a:srgbClr val="FF0000"/>
+              </a:solidFill>
+              <a:effectLst>
+                <a:outerShdw blurRad="12700" dist="38100" dir="2700000" algn="tl" rotWithShape="0">
+                  <a:schemeClr val="accent5">
+                    <a:lumMod val="60000"/>
+                    <a:lumOff val="40000"/>
+                  </a:schemeClr>
+                </a:outerShdw>
+              </a:effectLst>
+            </a:endParaRPr>
+          </a:p>
+        </p:txBody>
+      </p:sp>
+      <p:sp>
+        <p:nvSpPr>
+          <p:cNvPr id="30" name="テキスト ボックス 29"/>
+          <p:cNvSpPr txBox="1"/>
+          <p:nvPr/>
+        </p:nvSpPr>
+        <p:spPr>
+          <a:xfrm>
+            <a:off x="3200398" y="3942720"/>
+            <a:ext cx="1237265" cy="338554"/>
+          </a:xfrm>
+          <a:prstGeom prst="rect">
+            <a:avLst/>
+          </a:prstGeom>
+        </p:spPr>
+        <p:style>
+          <a:lnRef idx="3">
+            <a:schemeClr val="lt1"/>
+          </a:lnRef>
+          <a:fillRef idx="1">
+            <a:schemeClr val="dk1"/>
+          </a:fillRef>
+          <a:effectRef idx="1">
+            <a:schemeClr val="dk1"/>
+          </a:effectRef>
+          <a:fontRef idx="minor">
+            <a:schemeClr val="lt1"/>
+          </a:fontRef>
+        </p:style>
+        <p:txBody>
+          <a:bodyPr wrap="square" rtlCol="0">
+            <a:spAutoFit/>
+          </a:bodyPr>
+          <a:lstStyle/>
+          <a:p>
+            <a:r>
+              <a:rPr kumimoji="1" lang="ja-JP" altLang="en-US" sz="1600" b="1" dirty="0" smtClean="0">
+                <a:ln w="9525">
+                  <a:solidFill>
+                    <a:schemeClr val="bg1"/>
+                  </a:solidFill>
+                  <a:prstDash val="solid"/>
+                </a:ln>
+                <a:solidFill>
+                  <a:srgbClr val="FF0000"/>
+                </a:solidFill>
+                <a:effectLst>
+                  <a:outerShdw blurRad="12700" dist="38100" dir="2700000" algn="tl" rotWithShape="0">
+                    <a:schemeClr val="accent5">
+                      <a:lumMod val="60000"/>
+                      <a:lumOff val="40000"/>
+                    </a:schemeClr>
+                  </a:outerShdw>
+                </a:effectLst>
+              </a:rPr>
+              <a:t>遠距離攻撃</a:t>
+            </a:r>
+            <a:endParaRPr kumimoji="1" lang="ja-JP" altLang="en-US" sz="1600" b="1" dirty="0">
+              <a:ln w="9525">
+                <a:solidFill>
+                  <a:schemeClr val="bg1"/>
+                </a:solidFill>
+                <a:prstDash val="solid"/>
+              </a:ln>
+              <a:solidFill>
+                <a:srgbClr val="FF0000"/>
+              </a:solidFill>
+              <a:effectLst>
+                <a:outerShdw blurRad="12700" dist="38100" dir="2700000" algn="tl" rotWithShape="0">
+                  <a:schemeClr val="accent5">
+                    <a:lumMod val="60000"/>
+                    <a:lumOff val="40000"/>
+                  </a:schemeClr>
+                </a:outerShdw>
+              </a:effectLst>
+            </a:endParaRPr>
+          </a:p>
+        </p:txBody>
+      </p:sp>
     </p:spTree>
     <p:extLst>
       <p:ext uri="{BB962C8B-B14F-4D97-AF65-F5344CB8AC3E}">

--- a/schedule/ワンシート企画書変更2.pptx
+++ b/schedule/ワンシート企画書変更2.pptx
@@ -3540,7 +3540,7 @@
         <p:spPr>
           <a:xfrm>
             <a:off x="49921" y="76006"/>
-            <a:ext cx="1636117" cy="369332"/>
+            <a:ext cx="1636117" cy="307777"/>
           </a:xfrm>
           <a:prstGeom prst="rect">
             <a:avLst/>
@@ -3554,18 +3554,18 @@
           <a:lstStyle/>
           <a:p>
             <a:r>
-              <a:rPr lang="en-US" altLang="ja-JP" dirty="0" smtClean="0"/>
+              <a:rPr lang="en-US" altLang="ja-JP" sz="1400" dirty="0" smtClean="0"/>
               <a:t>TEAM</a:t>
             </a:r>
             <a:r>
-              <a:rPr lang="ja-JP" altLang="en-US" dirty="0" smtClean="0"/>
+              <a:rPr lang="ja-JP" altLang="en-US" sz="1400" dirty="0" smtClean="0"/>
               <a:t>　</a:t>
             </a:r>
             <a:r>
-              <a:rPr kumimoji="1" lang="en-US" altLang="ja-JP" dirty="0" smtClean="0"/>
+              <a:rPr kumimoji="1" lang="en-US" altLang="ja-JP" sz="1400" dirty="0" smtClean="0"/>
               <a:t>B</a:t>
             </a:r>
-            <a:endParaRPr kumimoji="1" lang="ja-JP" altLang="en-US" dirty="0"/>
+            <a:endParaRPr kumimoji="1" lang="ja-JP" altLang="en-US" sz="1400" dirty="0"/>
           </a:p>
         </p:txBody>
       </p:sp>
@@ -3577,8 +3577,8 @@
         </p:nvSpPr>
         <p:spPr>
           <a:xfrm>
-            <a:off x="-41039" y="444176"/>
-            <a:ext cx="1667351" cy="369332"/>
+            <a:off x="13952" y="315378"/>
+            <a:ext cx="2141579" cy="307777"/>
           </a:xfrm>
           <a:prstGeom prst="rect">
             <a:avLst/>
@@ -3592,18 +3592,18 @@
           <a:lstStyle/>
           <a:p>
             <a:r>
-              <a:rPr kumimoji="1" lang="ja-JP" altLang="en-US" dirty="0" smtClean="0"/>
+              <a:rPr kumimoji="1" lang="ja-JP" altLang="en-US" sz="1400" dirty="0" smtClean="0"/>
               <a:t>リーダー</a:t>
             </a:r>
             <a:r>
-              <a:rPr kumimoji="1" lang="en-US" altLang="ja-JP" dirty="0" smtClean="0"/>
+              <a:rPr kumimoji="1" lang="en-US" altLang="ja-JP" sz="1400" dirty="0" smtClean="0"/>
               <a:t>:</a:t>
             </a:r>
             <a:r>
-              <a:rPr kumimoji="1" lang="ja-JP" altLang="en-US" dirty="0" smtClean="0"/>
-              <a:t>増澤</a:t>
-            </a:r>
-            <a:endParaRPr kumimoji="1" lang="ja-JP" altLang="en-US" dirty="0"/>
+              <a:rPr kumimoji="1" lang="ja-JP" altLang="en-US" sz="1400" dirty="0" smtClean="0"/>
+              <a:t>増澤未来</a:t>
+            </a:r>
+            <a:endParaRPr kumimoji="1" lang="ja-JP" altLang="en-US" sz="1400" dirty="0"/>
           </a:p>
         </p:txBody>
       </p:sp>
@@ -3615,7 +3615,7 @@
         </p:nvSpPr>
         <p:spPr>
           <a:xfrm>
-            <a:off x="7564434" y="4118410"/>
+            <a:off x="7090391" y="4335369"/>
             <a:ext cx="4313057" cy="646331"/>
           </a:xfrm>
           <a:prstGeom prst="rect">
@@ -3661,10 +3661,10 @@
                 <a:latin typeface="HGP創英角ﾎﾟｯﾌﾟ体" panose="040B0A00000000000000" pitchFamily="50" charset="-128"/>
                 <a:ea typeface="HGP創英角ﾎﾟｯﾌﾟ体" panose="040B0A00000000000000" pitchFamily="50" charset="-128"/>
               </a:rPr>
-              <a:t>家を留守にした飼い主、豪邸に忍び寄るのは、数多くのネズミ</a:t>
-            </a:r>
-            <a:r>
-              <a:rPr kumimoji="1" lang="ja-JP" altLang="en-US" b="1" smtClean="0">
+              <a:t>家を留守にした飼い主</a:t>
+            </a:r>
+            <a:r>
+              <a:rPr kumimoji="1" lang="ja-JP" altLang="en-US" b="1" dirty="0" smtClean="0">
                 <a:ln w="6600">
                   <a:solidFill>
                     <a:srgbClr val="993300"/>
@@ -3682,28 +3682,7 @@
                 <a:latin typeface="HGP創英角ﾎﾟｯﾌﾟ体" panose="040B0A00000000000000" pitchFamily="50" charset="-128"/>
                 <a:ea typeface="HGP創英角ﾎﾟｯﾌﾟ体" panose="040B0A00000000000000" pitchFamily="50" charset="-128"/>
               </a:rPr>
-              <a:t>達</a:t>
-            </a:r>
-            <a:r>
-              <a:rPr kumimoji="1" lang="ja-JP" altLang="en-US" b="1" smtClean="0">
-                <a:ln w="6600">
-                  <a:solidFill>
-                    <a:srgbClr val="993300"/>
-                  </a:solidFill>
-                  <a:prstDash val="solid"/>
-                </a:ln>
-                <a:solidFill>
-                  <a:schemeClr val="bg1"/>
-                </a:solidFill>
-                <a:effectLst>
-                  <a:outerShdw dist="38100" dir="2700000" algn="tl" rotWithShape="0">
-                    <a:schemeClr val="accent2"/>
-                  </a:outerShdw>
-                </a:effectLst>
-                <a:latin typeface="HGP創英角ﾎﾟｯﾌﾟ体" panose="040B0A00000000000000" pitchFamily="50" charset="-128"/>
-                <a:ea typeface="HGP創英角ﾎﾟｯﾌﾟ体" panose="040B0A00000000000000" pitchFamily="50" charset="-128"/>
-              </a:rPr>
-              <a:t>！瞬間的</a:t>
+              <a:t>、勝手にお菓子を運び込んでいるネズミ達！</a:t>
             </a:r>
             <a:endParaRPr kumimoji="1" lang="en-US" altLang="ja-JP" b="1" dirty="0" smtClean="0">
               <a:ln w="6600">
@@ -3734,8 +3713,8 @@
         </p:nvSpPr>
         <p:spPr>
           <a:xfrm>
-            <a:off x="12095" y="815555"/>
-            <a:ext cx="1614217" cy="369332"/>
+            <a:off x="49921" y="617309"/>
+            <a:ext cx="1614217" cy="307777"/>
           </a:xfrm>
           <a:prstGeom prst="rect">
             <a:avLst/>
@@ -3749,18 +3728,18 @@
           <a:lstStyle/>
           <a:p>
             <a:r>
-              <a:rPr kumimoji="1" lang="ja-JP" altLang="en-US" dirty="0" smtClean="0"/>
+              <a:rPr kumimoji="1" lang="ja-JP" altLang="en-US" sz="1400" dirty="0" smtClean="0"/>
               <a:t>企画書</a:t>
             </a:r>
             <a:r>
-              <a:rPr kumimoji="1" lang="en-US" altLang="ja-JP" dirty="0" smtClean="0"/>
+              <a:rPr kumimoji="1" lang="en-US" altLang="ja-JP" sz="1400" dirty="0" smtClean="0"/>
               <a:t>:</a:t>
             </a:r>
             <a:r>
-              <a:rPr kumimoji="1" lang="ja-JP" altLang="en-US" dirty="0" smtClean="0"/>
-              <a:t>吉田</a:t>
-            </a:r>
-            <a:endParaRPr kumimoji="1" lang="ja-JP" altLang="en-US" dirty="0"/>
+              <a:rPr kumimoji="1" lang="ja-JP" altLang="en-US" sz="1400" dirty="0" smtClean="0"/>
+              <a:t>吉田飛空</a:t>
+            </a:r>
+            <a:endParaRPr kumimoji="1" lang="ja-JP" altLang="en-US" sz="1400" dirty="0"/>
           </a:p>
         </p:txBody>
       </p:sp>
@@ -3772,7 +3751,7 @@
         </p:nvSpPr>
         <p:spPr>
           <a:xfrm>
-            <a:off x="7085056" y="1420297"/>
+            <a:off x="7176024" y="1009900"/>
             <a:ext cx="4926835" cy="954107"/>
           </a:xfrm>
           <a:prstGeom prst="rect">
@@ -4028,8 +4007,8 @@
         </p:blipFill>
         <p:spPr>
           <a:xfrm>
-            <a:off x="6449827" y="2695678"/>
-            <a:ext cx="1639929" cy="1483224"/>
+            <a:off x="9132504" y="2481017"/>
+            <a:ext cx="1313762" cy="1188224"/>
           </a:xfrm>
           <a:prstGeom prst="rect">
             <a:avLst/>
@@ -4043,9 +4022,9 @@
           <p:nvPr/>
         </p:nvSpPr>
         <p:spPr>
-          <a:xfrm rot="476124">
-            <a:off x="1109266" y="2741222"/>
-            <a:ext cx="5714542" cy="494623"/>
+          <a:xfrm rot="346039">
+            <a:off x="1290763" y="2554192"/>
+            <a:ext cx="6515732" cy="494623"/>
           </a:xfrm>
           <a:prstGeom prst="rightArrow">
             <a:avLst/>
@@ -4096,8 +4075,8 @@
         </p:blipFill>
         <p:spPr>
           <a:xfrm>
-            <a:off x="8254635" y="3108556"/>
-            <a:ext cx="3262633" cy="1063467"/>
+            <a:off x="7205894" y="3415903"/>
+            <a:ext cx="4082050" cy="1009942"/>
           </a:xfrm>
           <a:prstGeom prst="rect">
             <a:avLst/>
@@ -4126,8 +4105,8 @@
         </p:blipFill>
         <p:spPr>
           <a:xfrm>
-            <a:off x="9327978" y="2658432"/>
-            <a:ext cx="1141464" cy="796964"/>
+            <a:off x="8341249" y="2825612"/>
+            <a:ext cx="1056039" cy="737321"/>
           </a:xfrm>
           <a:prstGeom prst="rect">
             <a:avLst/>
@@ -4141,9 +4120,9 @@
           <p:nvPr/>
         </p:nvSpPr>
         <p:spPr>
-          <a:xfrm rot="463328">
-            <a:off x="1650846" y="2335071"/>
-            <a:ext cx="4992290" cy="461665"/>
+          <a:xfrm rot="272800">
+            <a:off x="1657284" y="2124558"/>
+            <a:ext cx="5679287" cy="461665"/>
           </a:xfrm>
           <a:prstGeom prst="rect">
             <a:avLst/>
@@ -4156,6 +4135,30 @@
           </a:bodyPr>
           <a:lstStyle/>
           <a:p>
+            <a:r>
+              <a:rPr lang="ja-JP" altLang="en-US" sz="2400" b="1" dirty="0" smtClean="0">
+                <a:ln w="9525">
+                  <a:solidFill>
+                    <a:srgbClr val="993300"/>
+                  </a:solidFill>
+                  <a:prstDash val="solid"/>
+                </a:ln>
+                <a:solidFill>
+                  <a:schemeClr val="bg1"/>
+                </a:solidFill>
+                <a:effectLst>
+                  <a:outerShdw blurRad="12700" dist="38100" dir="2700000" algn="tl" rotWithShape="0">
+                    <a:schemeClr val="accent5">
+                      <a:lumMod val="60000"/>
+                      <a:lumOff val="40000"/>
+                    </a:schemeClr>
+                  </a:outerShdw>
+                </a:effectLst>
+                <a:latin typeface="HGP創英角ﾎﾟｯﾌﾟ体" panose="040B0A00000000000000" pitchFamily="50" charset="-128"/>
+                <a:ea typeface="HGP創英角ﾎﾟｯﾌﾟ体" panose="040B0A00000000000000" pitchFamily="50" charset="-128"/>
+              </a:rPr>
+              <a:t>家に帰ってきて</a:t>
+            </a:r>
             <a:r>
               <a:rPr kumimoji="1" lang="ja-JP" altLang="en-US" sz="2400" b="1" dirty="0" smtClean="0">
                 <a:ln w="9525">
@@ -4178,7 +4181,31 @@
                 <a:latin typeface="HGP創英角ﾎﾟｯﾌﾟ体" panose="040B0A00000000000000" pitchFamily="50" charset="-128"/>
                 <a:ea typeface="HGP創英角ﾎﾟｯﾌﾟ体" panose="040B0A00000000000000" pitchFamily="50" charset="-128"/>
               </a:rPr>
-              <a:t>檻から出て、お菓子の所まで行く！</a:t>
+              <a:t>、</a:t>
+            </a:r>
+            <a:r>
+              <a:rPr kumimoji="1" lang="ja-JP" altLang="en-US" sz="2400" b="1" dirty="0" smtClean="0">
+                <a:ln w="9525">
+                  <a:solidFill>
+                    <a:srgbClr val="993300"/>
+                  </a:solidFill>
+                  <a:prstDash val="solid"/>
+                </a:ln>
+                <a:solidFill>
+                  <a:schemeClr val="bg1"/>
+                </a:solidFill>
+                <a:effectLst>
+                  <a:outerShdw blurRad="12700" dist="38100" dir="2700000" algn="tl" rotWithShape="0">
+                    <a:schemeClr val="accent5">
+                      <a:lumMod val="60000"/>
+                      <a:lumOff val="40000"/>
+                    </a:schemeClr>
+                  </a:outerShdw>
+                </a:effectLst>
+                <a:latin typeface="HGP創英角ﾎﾟｯﾌﾟ体" panose="040B0A00000000000000" pitchFamily="50" charset="-128"/>
+                <a:ea typeface="HGP創英角ﾎﾟｯﾌﾟ体" panose="040B0A00000000000000" pitchFamily="50" charset="-128"/>
+              </a:rPr>
+              <a:t>お菓子の所まで行く！</a:t>
             </a:r>
             <a:endParaRPr kumimoji="1" lang="ja-JP" altLang="en-US" sz="2400" b="1" dirty="0">
               <a:ln w="9525">
@@ -4811,7 +4838,7 @@
         </p:blipFill>
         <p:spPr>
           <a:xfrm>
-            <a:off x="2038107" y="-457571"/>
+            <a:off x="1975011" y="-439665"/>
             <a:ext cx="5201013" cy="2925570"/>
           </a:xfrm>
           <a:prstGeom prst="rect">
@@ -4841,7 +4868,7 @@
         </p:blipFill>
         <p:spPr>
           <a:xfrm>
-            <a:off x="7009970" y="4991619"/>
+            <a:off x="6366721" y="5106696"/>
             <a:ext cx="2125294" cy="1123645"/>
           </a:xfrm>
           <a:prstGeom prst="rect">
@@ -4871,7 +4898,7 @@
         </p:blipFill>
         <p:spPr>
           <a:xfrm>
-            <a:off x="9465400" y="4988933"/>
+            <a:off x="8741734" y="5132869"/>
             <a:ext cx="2148041" cy="1123645"/>
           </a:xfrm>
           <a:prstGeom prst="rect">
@@ -5059,6 +5086,262 @@
           </a:p>
         </p:txBody>
       </p:sp>
+      <p:sp>
+        <p:nvSpPr>
+          <p:cNvPr id="8" name="テキスト ボックス 7"/>
+          <p:cNvSpPr txBox="1"/>
+          <p:nvPr/>
+        </p:nvSpPr>
+        <p:spPr>
+          <a:xfrm rot="20181991">
+            <a:off x="7663145" y="2365360"/>
+            <a:ext cx="1709539" cy="369332"/>
+          </a:xfrm>
+          <a:prstGeom prst="rect">
+            <a:avLst/>
+          </a:prstGeom>
+          <a:noFill/>
+        </p:spPr>
+        <p:txBody>
+          <a:bodyPr wrap="square" rtlCol="0">
+            <a:spAutoFit/>
+          </a:bodyPr>
+          <a:lstStyle/>
+          <a:p>
+            <a:r>
+              <a:rPr lang="en-US" altLang="ja-JP" b="1" dirty="0">
+                <a:ln w="9525">
+                  <a:solidFill>
+                    <a:schemeClr val="bg1"/>
+                  </a:solidFill>
+                  <a:prstDash val="solid"/>
+                </a:ln>
+                <a:solidFill>
+                  <a:srgbClr val="FF0000"/>
+                </a:solidFill>
+                <a:effectLst>
+                  <a:outerShdw blurRad="12700" dist="38100" dir="2700000" algn="tl" rotWithShape="0">
+                    <a:schemeClr val="accent5">
+                      <a:lumMod val="60000"/>
+                      <a:lumOff val="40000"/>
+                    </a:schemeClr>
+                  </a:outerShdw>
+                </a:effectLst>
+              </a:rPr>
+              <a:t>1</a:t>
+            </a:r>
+            <a:r>
+              <a:rPr kumimoji="1" lang="ja-JP" altLang="en-US" b="1" dirty="0" smtClean="0">
+                <a:ln w="9525">
+                  <a:solidFill>
+                    <a:schemeClr val="bg1"/>
+                  </a:solidFill>
+                  <a:prstDash val="solid"/>
+                </a:ln>
+                <a:solidFill>
+                  <a:srgbClr val="FF0000"/>
+                </a:solidFill>
+                <a:effectLst>
+                  <a:outerShdw blurRad="12700" dist="38100" dir="2700000" algn="tl" rotWithShape="0">
+                    <a:schemeClr val="accent5">
+                      <a:lumMod val="60000"/>
+                      <a:lumOff val="40000"/>
+                    </a:schemeClr>
+                  </a:outerShdw>
+                </a:effectLst>
+              </a:rPr>
+              <a:t>人占めじゃー</a:t>
+            </a:r>
+            <a:endParaRPr kumimoji="1" lang="ja-JP" altLang="en-US" b="1" dirty="0">
+              <a:ln w="9525">
+                <a:solidFill>
+                  <a:schemeClr val="bg1"/>
+                </a:solidFill>
+                <a:prstDash val="solid"/>
+              </a:ln>
+              <a:solidFill>
+                <a:srgbClr val="FF0000"/>
+              </a:solidFill>
+              <a:effectLst>
+                <a:outerShdw blurRad="12700" dist="38100" dir="2700000" algn="tl" rotWithShape="0">
+                  <a:schemeClr val="accent5">
+                    <a:lumMod val="60000"/>
+                    <a:lumOff val="40000"/>
+                  </a:schemeClr>
+                </a:outerShdw>
+              </a:effectLst>
+            </a:endParaRPr>
+          </a:p>
+        </p:txBody>
+      </p:sp>
+      <p:sp>
+        <p:nvSpPr>
+          <p:cNvPr id="33" name="フローチャート: 論理積ゲート 32"/>
+          <p:cNvSpPr/>
+          <p:nvPr/>
+        </p:nvSpPr>
+        <p:spPr>
+          <a:xfrm rot="16200000">
+            <a:off x="10975555" y="1906311"/>
+            <a:ext cx="1521746" cy="1547624"/>
+          </a:xfrm>
+          <a:prstGeom prst="flowChartDelay">
+            <a:avLst/>
+          </a:prstGeom>
+          <a:solidFill>
+            <a:schemeClr val="dk1"/>
+          </a:solidFill>
+          <a:ln>
+            <a:noFill/>
+          </a:ln>
+          <a:scene3d>
+            <a:camera prst="isometricBottomDown"/>
+            <a:lightRig rig="threePt" dir="t"/>
+          </a:scene3d>
+        </p:spPr>
+        <p:style>
+          <a:lnRef idx="0">
+            <a:scrgbClr r="0" g="0" b="0"/>
+          </a:lnRef>
+          <a:fillRef idx="0">
+            <a:scrgbClr r="0" g="0" b="0"/>
+          </a:fillRef>
+          <a:effectRef idx="0">
+            <a:scrgbClr r="0" g="0" b="0"/>
+          </a:effectRef>
+          <a:fontRef idx="minor">
+            <a:schemeClr val="lt1"/>
+          </a:fontRef>
+        </p:style>
+        <p:txBody>
+          <a:bodyPr rtlCol="0" anchor="ctr">
+            <a:scene3d>
+              <a:camera prst="isometricLeftDown"/>
+              <a:lightRig rig="threePt" dir="t"/>
+            </a:scene3d>
+          </a:bodyPr>
+          <a:lstStyle/>
+          <a:p>
+            <a:pPr algn="ctr"/>
+            <a:endParaRPr kumimoji="1" lang="ja-JP" altLang="en-US"/>
+          </a:p>
+        </p:txBody>
+      </p:sp>
+      <p:sp>
+        <p:nvSpPr>
+          <p:cNvPr id="12" name="フローチャート: 論理積ゲート 11"/>
+          <p:cNvSpPr/>
+          <p:nvPr/>
+        </p:nvSpPr>
+        <p:spPr>
+          <a:xfrm rot="16200000">
+            <a:off x="11144151" y="2052539"/>
+            <a:ext cx="1182621" cy="1274830"/>
+          </a:xfrm>
+          <a:prstGeom prst="flowChartDelay">
+            <a:avLst/>
+          </a:prstGeom>
+          <a:solidFill>
+            <a:schemeClr val="accent3">
+              <a:alpha val="50000"/>
+            </a:schemeClr>
+          </a:solidFill>
+          <a:ln>
+            <a:noFill/>
+          </a:ln>
+          <a:scene3d>
+            <a:camera prst="isometricBottomDown"/>
+            <a:lightRig rig="threePt" dir="t"/>
+          </a:scene3d>
+        </p:spPr>
+        <p:style>
+          <a:lnRef idx="0">
+            <a:scrgbClr r="0" g="0" b="0"/>
+          </a:lnRef>
+          <a:fillRef idx="0">
+            <a:scrgbClr r="0" g="0" b="0"/>
+          </a:fillRef>
+          <a:effectRef idx="0">
+            <a:scrgbClr r="0" g="0" b="0"/>
+          </a:effectRef>
+          <a:fontRef idx="minor">
+            <a:schemeClr val="lt1"/>
+          </a:fontRef>
+        </p:style>
+        <p:txBody>
+          <a:bodyPr rtlCol="0" anchor="ctr">
+            <a:scene3d>
+              <a:camera prst="isometricLeftDown"/>
+              <a:lightRig rig="threePt" dir="t"/>
+            </a:scene3d>
+          </a:bodyPr>
+          <a:lstStyle/>
+          <a:p>
+            <a:pPr algn="ctr"/>
+            <a:endParaRPr kumimoji="1" lang="ja-JP" altLang="en-US"/>
+          </a:p>
+        </p:txBody>
+      </p:sp>
+      <p:pic>
+        <p:nvPicPr>
+          <p:cNvPr id="13" name="図 12"/>
+          <p:cNvPicPr>
+            <a:picLocks noChangeAspect="1"/>
+          </p:cNvPicPr>
+          <p:nvPr/>
+        </p:nvPicPr>
+        <p:blipFill>
+          <a:blip r:embed="rId12" cstate="print">
+            <a:extLst>
+              <a:ext uri="{28A0092B-C50C-407E-A947-70E740481C1C}">
+                <a14:useLocalDpi xmlns:a14="http://schemas.microsoft.com/office/drawing/2010/main" val="0"/>
+              </a:ext>
+            </a:extLst>
+          </a:blip>
+          <a:stretch>
+            <a:fillRect/>
+          </a:stretch>
+        </p:blipFill>
+        <p:spPr>
+          <a:xfrm>
+            <a:off x="10081796" y="2387355"/>
+            <a:ext cx="325411" cy="335824"/>
+          </a:xfrm>
+          <a:prstGeom prst="rect">
+            <a:avLst/>
+          </a:prstGeom>
+        </p:spPr>
+      </p:pic>
+      <p:pic>
+        <p:nvPicPr>
+          <p:cNvPr id="17" name="図 16"/>
+          <p:cNvPicPr>
+            <a:picLocks noChangeAspect="1"/>
+          </p:cNvPicPr>
+          <p:nvPr/>
+        </p:nvPicPr>
+        <p:blipFill>
+          <a:blip r:embed="rId13" cstate="print">
+            <a:extLst>
+              <a:ext uri="{28A0092B-C50C-407E-A947-70E740481C1C}">
+                <a14:useLocalDpi xmlns:a14="http://schemas.microsoft.com/office/drawing/2010/main" val="0"/>
+              </a:ext>
+            </a:extLst>
+          </a:blip>
+          <a:stretch>
+            <a:fillRect/>
+          </a:stretch>
+        </p:blipFill>
+        <p:spPr>
+          <a:xfrm flipH="1">
+            <a:off x="10244502" y="2669266"/>
+            <a:ext cx="914593" cy="643073"/>
+          </a:xfrm>
+          <a:prstGeom prst="rect">
+            <a:avLst/>
+          </a:prstGeom>
+        </p:spPr>
+      </p:pic>
     </p:spTree>
     <p:extLst>
       <p:ext uri="{BB962C8B-B14F-4D97-AF65-F5344CB8AC3E}">

--- a/schedule/ワンシート企画書変更2.pptx
+++ b/schedule/ワンシート企画書変更2.pptx
@@ -3332,8 +3332,8 @@
         </p:nvSpPr>
         <p:spPr>
           <a:xfrm>
-            <a:off x="677351" y="6187473"/>
-            <a:ext cx="11200140" cy="584775"/>
+            <a:off x="672805" y="6220238"/>
+            <a:ext cx="10149472" cy="584775"/>
           </a:xfrm>
           <a:prstGeom prst="rect">
             <a:avLst/>
@@ -3347,7 +3347,7 @@
           <a:lstStyle/>
           <a:p>
             <a:r>
-              <a:rPr kumimoji="1" lang="ja-JP" altLang="en-US" sz="3200" b="1" dirty="0" smtClean="0">
+              <a:rPr lang="ja-JP" altLang="en-US" sz="3200" b="1" dirty="0" smtClean="0">
                 <a:ln w="13462">
                   <a:solidFill>
                     <a:srgbClr val="993300"/>
@@ -3365,18 +3365,18 @@
                 <a:latin typeface="HGP創英角ﾎﾟｯﾌﾟ体" panose="040B0A00000000000000" pitchFamily="50" charset="-128"/>
                 <a:ea typeface="HGP創英角ﾎﾟｯﾌﾟ体" panose="040B0A00000000000000" pitchFamily="50" charset="-128"/>
               </a:rPr>
-              <a:t>家に侵入してくるネズミを倒して、</a:t>
-            </a:r>
-            <a:r>
-              <a:rPr lang="ja-JP" altLang="en-US" sz="3200" b="1" dirty="0" smtClean="0">
+              <a:t>お</a:t>
+            </a:r>
+            <a:r>
+              <a:rPr lang="ja-JP" altLang="en-US" sz="3200" b="1" dirty="0">
                 <a:ln w="13462">
                   <a:solidFill>
-                    <a:srgbClr val="FFFF00"/>
+                    <a:srgbClr val="993300"/>
                   </a:solidFill>
                   <a:prstDash val="solid"/>
                 </a:ln>
                 <a:solidFill>
-                  <a:srgbClr val="FF0000"/>
+                  <a:schemeClr val="bg1"/>
                 </a:solidFill>
                 <a:effectLst>
                   <a:outerShdw dist="38100" dir="2700000" algn="bl" rotWithShape="0">
@@ -3386,7 +3386,7 @@
                 <a:latin typeface="HGP創英角ﾎﾟｯﾌﾟ体" panose="040B0A00000000000000" pitchFamily="50" charset="-128"/>
                 <a:ea typeface="HGP創英角ﾎﾟｯﾌﾟ体" panose="040B0A00000000000000" pitchFamily="50" charset="-128"/>
               </a:rPr>
-              <a:t>お菓子の場所</a:t>
+              <a:t>菓子</a:t>
             </a:r>
             <a:r>
               <a:rPr lang="ja-JP" altLang="en-US" sz="3200" b="1" dirty="0" smtClean="0">
@@ -3407,7 +3407,112 @@
                 <a:latin typeface="HGP創英角ﾎﾟｯﾌﾟ体" panose="040B0A00000000000000" pitchFamily="50" charset="-128"/>
                 <a:ea typeface="HGP創英角ﾎﾟｯﾌﾟ体" panose="040B0A00000000000000" pitchFamily="50" charset="-128"/>
               </a:rPr>
-              <a:t>まで行く</a:t>
+              <a:t>を盗んでる</a:t>
+            </a:r>
+            <a:r>
+              <a:rPr kumimoji="1" lang="ja-JP" altLang="en-US" sz="3200" b="1" dirty="0" smtClean="0">
+                <a:ln w="13462">
+                  <a:solidFill>
+                    <a:srgbClr val="993300"/>
+                  </a:solidFill>
+                  <a:prstDash val="solid"/>
+                </a:ln>
+                <a:solidFill>
+                  <a:schemeClr val="bg1"/>
+                </a:solidFill>
+                <a:effectLst>
+                  <a:outerShdw dist="38100" dir="2700000" algn="bl" rotWithShape="0">
+                    <a:schemeClr val="accent5"/>
+                  </a:outerShdw>
+                </a:effectLst>
+                <a:latin typeface="HGP創英角ﾎﾟｯﾌﾟ体" panose="040B0A00000000000000" pitchFamily="50" charset="-128"/>
+                <a:ea typeface="HGP創英角ﾎﾟｯﾌﾟ体" panose="040B0A00000000000000" pitchFamily="50" charset="-128"/>
+              </a:rPr>
+              <a:t>ネズミ</a:t>
+            </a:r>
+            <a:r>
+              <a:rPr kumimoji="1" lang="ja-JP" altLang="en-US" sz="3200" b="1" dirty="0" smtClean="0">
+                <a:ln w="13462">
+                  <a:solidFill>
+                    <a:srgbClr val="993300"/>
+                  </a:solidFill>
+                  <a:prstDash val="solid"/>
+                </a:ln>
+                <a:solidFill>
+                  <a:schemeClr val="bg1"/>
+                </a:solidFill>
+                <a:effectLst>
+                  <a:outerShdw dist="38100" dir="2700000" algn="bl" rotWithShape="0">
+                    <a:schemeClr val="accent5"/>
+                  </a:outerShdw>
+                </a:effectLst>
+                <a:latin typeface="HGP創英角ﾎﾟｯﾌﾟ体" panose="040B0A00000000000000" pitchFamily="50" charset="-128"/>
+                <a:ea typeface="HGP創英角ﾎﾟｯﾌﾟ体" panose="040B0A00000000000000" pitchFamily="50" charset="-128"/>
+              </a:rPr>
+              <a:t>を倒して、</a:t>
+            </a:r>
+            <a:r>
+              <a:rPr lang="ja-JP" altLang="en-US" sz="3200" b="1" dirty="0" smtClean="0">
+                <a:ln w="13462">
+                  <a:solidFill>
+                    <a:srgbClr val="FFFF00"/>
+                  </a:solidFill>
+                  <a:prstDash val="solid"/>
+                </a:ln>
+                <a:solidFill>
+                  <a:srgbClr val="FF0000"/>
+                </a:solidFill>
+                <a:effectLst>
+                  <a:outerShdw dist="38100" dir="2700000" algn="bl" rotWithShape="0">
+                    <a:schemeClr val="accent5"/>
+                  </a:outerShdw>
+                </a:effectLst>
+                <a:latin typeface="HGP創英角ﾎﾟｯﾌﾟ体" panose="040B0A00000000000000" pitchFamily="50" charset="-128"/>
+                <a:ea typeface="HGP創英角ﾎﾟｯﾌﾟ体" panose="040B0A00000000000000" pitchFamily="50" charset="-128"/>
+              </a:rPr>
+              <a:t>お菓子を全部回収</a:t>
+            </a:r>
+            <a:r>
+              <a:rPr lang="ja-JP" altLang="en-US" sz="3200" b="1" dirty="0" smtClean="0">
+                <a:ln w="13462">
+                  <a:solidFill>
+                    <a:srgbClr val="993300"/>
+                  </a:solidFill>
+                  <a:prstDash val="solid"/>
+                </a:ln>
+                <a:solidFill>
+                  <a:schemeClr val="bg1"/>
+                </a:solidFill>
+                <a:effectLst>
+                  <a:outerShdw dist="38100" dir="2700000" algn="bl" rotWithShape="0">
+                    <a:schemeClr val="accent5"/>
+                  </a:outerShdw>
+                </a:effectLst>
+                <a:latin typeface="HGP創英角ﾎﾟｯﾌﾟ体" panose="040B0A00000000000000" pitchFamily="50" charset="-128"/>
+                <a:ea typeface="HGP創英角ﾎﾟｯﾌﾟ体" panose="040B0A00000000000000" pitchFamily="50" charset="-128"/>
+              </a:rPr>
+              <a:t>す</a:t>
+            </a:r>
+            <a:r>
+              <a:rPr lang="ja-JP" altLang="en-US" sz="3200" b="1" dirty="0">
+                <a:ln w="13462">
+                  <a:solidFill>
+                    <a:srgbClr val="993300"/>
+                  </a:solidFill>
+                  <a:prstDash val="solid"/>
+                </a:ln>
+                <a:solidFill>
+                  <a:schemeClr val="bg1"/>
+                </a:solidFill>
+                <a:effectLst>
+                  <a:outerShdw dist="38100" dir="2700000" algn="bl" rotWithShape="0">
+                    <a:schemeClr val="accent5"/>
+                  </a:outerShdw>
+                </a:effectLst>
+                <a:latin typeface="HGP創英角ﾎﾟｯﾌﾟ体" panose="040B0A00000000000000" pitchFamily="50" charset="-128"/>
+                <a:ea typeface="HGP創英角ﾎﾟｯﾌﾟ体" panose="040B0A00000000000000" pitchFamily="50" charset="-128"/>
+              </a:rPr>
+              <a:t>る</a:t>
             </a:r>
             <a:endParaRPr kumimoji="1" lang="ja-JP" altLang="en-US" sz="3200" b="1" dirty="0">
               <a:ln w="13462">
@@ -3438,7 +3543,7 @@
         </p:nvSpPr>
         <p:spPr>
           <a:xfrm>
-            <a:off x="10539421" y="6164220"/>
+            <a:off x="10532236" y="6242671"/>
             <a:ext cx="1883122" cy="584775"/>
           </a:xfrm>
           <a:prstGeom prst="rect">
@@ -3609,104 +3714,6 @@
       </p:sp>
       <p:sp>
         <p:nvSpPr>
-          <p:cNvPr id="16" name="テキスト ボックス 15"/>
-          <p:cNvSpPr txBox="1"/>
-          <p:nvPr/>
-        </p:nvSpPr>
-        <p:spPr>
-          <a:xfrm>
-            <a:off x="7090391" y="4335369"/>
-            <a:ext cx="4313057" cy="646331"/>
-          </a:xfrm>
-          <a:prstGeom prst="rect">
-            <a:avLst/>
-          </a:prstGeom>
-        </p:spPr>
-        <p:style>
-          <a:lnRef idx="3">
-            <a:schemeClr val="lt1"/>
-          </a:lnRef>
-          <a:fillRef idx="1">
-            <a:schemeClr val="accent3"/>
-          </a:fillRef>
-          <a:effectRef idx="1">
-            <a:schemeClr val="accent3"/>
-          </a:effectRef>
-          <a:fontRef idx="minor">
-            <a:schemeClr val="lt1"/>
-          </a:fontRef>
-        </p:style>
-        <p:txBody>
-          <a:bodyPr wrap="square" rtlCol="0">
-            <a:spAutoFit/>
-          </a:bodyPr>
-          <a:lstStyle/>
-          <a:p>
-            <a:r>
-              <a:rPr kumimoji="1" lang="ja-JP" altLang="en-US" b="1" dirty="0" smtClean="0">
-                <a:ln w="6600">
-                  <a:solidFill>
-                    <a:srgbClr val="993300"/>
-                  </a:solidFill>
-                  <a:prstDash val="solid"/>
-                </a:ln>
-                <a:solidFill>
-                  <a:schemeClr val="bg1"/>
-                </a:solidFill>
-                <a:effectLst>
-                  <a:outerShdw dist="38100" dir="2700000" algn="tl" rotWithShape="0">
-                    <a:schemeClr val="accent2"/>
-                  </a:outerShdw>
-                </a:effectLst>
-                <a:latin typeface="HGP創英角ﾎﾟｯﾌﾟ体" panose="040B0A00000000000000" pitchFamily="50" charset="-128"/>
-                <a:ea typeface="HGP創英角ﾎﾟｯﾌﾟ体" panose="040B0A00000000000000" pitchFamily="50" charset="-128"/>
-              </a:rPr>
-              <a:t>家を留守にした飼い主</a:t>
-            </a:r>
-            <a:r>
-              <a:rPr kumimoji="1" lang="ja-JP" altLang="en-US" b="1" dirty="0" smtClean="0">
-                <a:ln w="6600">
-                  <a:solidFill>
-                    <a:srgbClr val="993300"/>
-                  </a:solidFill>
-                  <a:prstDash val="solid"/>
-                </a:ln>
-                <a:solidFill>
-                  <a:schemeClr val="bg1"/>
-                </a:solidFill>
-                <a:effectLst>
-                  <a:outerShdw dist="38100" dir="2700000" algn="tl" rotWithShape="0">
-                    <a:schemeClr val="accent2"/>
-                  </a:outerShdw>
-                </a:effectLst>
-                <a:latin typeface="HGP創英角ﾎﾟｯﾌﾟ体" panose="040B0A00000000000000" pitchFamily="50" charset="-128"/>
-                <a:ea typeface="HGP創英角ﾎﾟｯﾌﾟ体" panose="040B0A00000000000000" pitchFamily="50" charset="-128"/>
-              </a:rPr>
-              <a:t>、勝手にお菓子を運び込んでいるネズミ達！</a:t>
-            </a:r>
-            <a:endParaRPr kumimoji="1" lang="en-US" altLang="ja-JP" b="1" dirty="0" smtClean="0">
-              <a:ln w="6600">
-                <a:solidFill>
-                  <a:srgbClr val="993300"/>
-                </a:solidFill>
-                <a:prstDash val="solid"/>
-              </a:ln>
-              <a:solidFill>
-                <a:schemeClr val="bg1"/>
-              </a:solidFill>
-              <a:effectLst>
-                <a:outerShdw dist="38100" dir="2700000" algn="tl" rotWithShape="0">
-                  <a:schemeClr val="accent2"/>
-                </a:outerShdw>
-              </a:effectLst>
-              <a:latin typeface="HGP創英角ﾎﾟｯﾌﾟ体" panose="040B0A00000000000000" pitchFamily="50" charset="-128"/>
-              <a:ea typeface="HGP創英角ﾎﾟｯﾌﾟ体" panose="040B0A00000000000000" pitchFamily="50" charset="-128"/>
-            </a:endParaRPr>
-          </a:p>
-        </p:txBody>
-      </p:sp>
-      <p:sp>
-        <p:nvSpPr>
           <p:cNvPr id="41" name="テキスト ボックス 40"/>
           <p:cNvSpPr txBox="1"/>
           <p:nvPr/>
@@ -3751,7 +3758,7 @@
         </p:nvSpPr>
         <p:spPr>
           <a:xfrm>
-            <a:off x="7176024" y="1009900"/>
+            <a:off x="7166208" y="944568"/>
             <a:ext cx="4926835" cy="954107"/>
           </a:xfrm>
           <a:prstGeom prst="rect">
@@ -3985,134 +3992,6 @@
           </a:prstGeom>
         </p:spPr>
       </p:pic>
-      <p:pic>
-        <p:nvPicPr>
-          <p:cNvPr id="48" name="図 47"/>
-          <p:cNvPicPr>
-            <a:picLocks noChangeAspect="1"/>
-          </p:cNvPicPr>
-          <p:nvPr/>
-        </p:nvPicPr>
-        <p:blipFill>
-          <a:blip r:embed="rId4" cstate="print">
-            <a:extLst>
-              <a:ext uri="{28A0092B-C50C-407E-A947-70E740481C1C}">
-                <a14:useLocalDpi xmlns:a14="http://schemas.microsoft.com/office/drawing/2010/main" val="0"/>
-              </a:ext>
-            </a:extLst>
-          </a:blip>
-          <a:stretch>
-            <a:fillRect/>
-          </a:stretch>
-        </p:blipFill>
-        <p:spPr>
-          <a:xfrm>
-            <a:off x="9132504" y="2481017"/>
-            <a:ext cx="1313762" cy="1188224"/>
-          </a:xfrm>
-          <a:prstGeom prst="rect">
-            <a:avLst/>
-          </a:prstGeom>
-        </p:spPr>
-      </p:pic>
-      <p:sp>
-        <p:nvSpPr>
-          <p:cNvPr id="49" name="右矢印 48"/>
-          <p:cNvSpPr/>
-          <p:nvPr/>
-        </p:nvSpPr>
-        <p:spPr>
-          <a:xfrm rot="346039">
-            <a:off x="1290763" y="2554192"/>
-            <a:ext cx="6515732" cy="494623"/>
-          </a:xfrm>
-          <a:prstGeom prst="rightArrow">
-            <a:avLst/>
-          </a:prstGeom>
-        </p:spPr>
-        <p:style>
-          <a:lnRef idx="1">
-            <a:schemeClr val="accent2"/>
-          </a:lnRef>
-          <a:fillRef idx="2">
-            <a:schemeClr val="accent2"/>
-          </a:fillRef>
-          <a:effectRef idx="1">
-            <a:schemeClr val="accent2"/>
-          </a:effectRef>
-          <a:fontRef idx="minor">
-            <a:schemeClr val="dk1"/>
-          </a:fontRef>
-        </p:style>
-        <p:txBody>
-          <a:bodyPr rtlCol="0" anchor="ctr"/>
-          <a:lstStyle/>
-          <a:p>
-            <a:pPr algn="ctr"/>
-            <a:endParaRPr kumimoji="1" lang="ja-JP" altLang="en-US"/>
-          </a:p>
-        </p:txBody>
-      </p:sp>
-      <p:pic>
-        <p:nvPicPr>
-          <p:cNvPr id="50" name="図 49"/>
-          <p:cNvPicPr>
-            <a:picLocks noChangeAspect="1"/>
-          </p:cNvPicPr>
-          <p:nvPr/>
-        </p:nvPicPr>
-        <p:blipFill>
-          <a:blip r:embed="rId5" cstate="print">
-            <a:extLst>
-              <a:ext uri="{28A0092B-C50C-407E-A947-70E740481C1C}">
-                <a14:useLocalDpi xmlns:a14="http://schemas.microsoft.com/office/drawing/2010/main" val="0"/>
-              </a:ext>
-            </a:extLst>
-          </a:blip>
-          <a:stretch>
-            <a:fillRect/>
-          </a:stretch>
-        </p:blipFill>
-        <p:spPr>
-          <a:xfrm>
-            <a:off x="7205894" y="3415903"/>
-            <a:ext cx="4082050" cy="1009942"/>
-          </a:xfrm>
-          <a:prstGeom prst="rect">
-            <a:avLst/>
-          </a:prstGeom>
-        </p:spPr>
-      </p:pic>
-      <p:pic>
-        <p:nvPicPr>
-          <p:cNvPr id="59" name="図 58"/>
-          <p:cNvPicPr>
-            <a:picLocks noChangeAspect="1"/>
-          </p:cNvPicPr>
-          <p:nvPr/>
-        </p:nvPicPr>
-        <p:blipFill>
-          <a:blip r:embed="rId6" cstate="print">
-            <a:extLst>
-              <a:ext uri="{28A0092B-C50C-407E-A947-70E740481C1C}">
-                <a14:useLocalDpi xmlns:a14="http://schemas.microsoft.com/office/drawing/2010/main" val="0"/>
-              </a:ext>
-            </a:extLst>
-          </a:blip>
-          <a:stretch>
-            <a:fillRect/>
-          </a:stretch>
-        </p:blipFill>
-        <p:spPr>
-          <a:xfrm>
-            <a:off x="8341249" y="2825612"/>
-            <a:ext cx="1056039" cy="737321"/>
-          </a:xfrm>
-          <a:prstGeom prst="rect">
-            <a:avLst/>
-          </a:prstGeom>
-        </p:spPr>
-      </p:pic>
       <p:sp>
         <p:nvSpPr>
           <p:cNvPr id="60" name="テキスト ボックス 59"/>
@@ -4181,31 +4060,7 @@
                 <a:latin typeface="HGP創英角ﾎﾟｯﾌﾟ体" panose="040B0A00000000000000" pitchFamily="50" charset="-128"/>
                 <a:ea typeface="HGP創英角ﾎﾟｯﾌﾟ体" panose="040B0A00000000000000" pitchFamily="50" charset="-128"/>
               </a:rPr>
-              <a:t>、</a:t>
-            </a:r>
-            <a:r>
-              <a:rPr kumimoji="1" lang="ja-JP" altLang="en-US" sz="2400" b="1" dirty="0" smtClean="0">
-                <a:ln w="9525">
-                  <a:solidFill>
-                    <a:srgbClr val="993300"/>
-                  </a:solidFill>
-                  <a:prstDash val="solid"/>
-                </a:ln>
-                <a:solidFill>
-                  <a:schemeClr val="bg1"/>
-                </a:solidFill>
-                <a:effectLst>
-                  <a:outerShdw blurRad="12700" dist="38100" dir="2700000" algn="tl" rotWithShape="0">
-                    <a:schemeClr val="accent5">
-                      <a:lumMod val="60000"/>
-                      <a:lumOff val="40000"/>
-                    </a:schemeClr>
-                  </a:outerShdw>
-                </a:effectLst>
-                <a:latin typeface="HGP創英角ﾎﾟｯﾌﾟ体" panose="040B0A00000000000000" pitchFamily="50" charset="-128"/>
-                <a:ea typeface="HGP創英角ﾎﾟｯﾌﾟ体" panose="040B0A00000000000000" pitchFamily="50" charset="-128"/>
-              </a:rPr>
-              <a:t>お菓子の所まで行く！</a:t>
+              <a:t>、お菓子の所まで行く！</a:t>
             </a:r>
             <a:endParaRPr kumimoji="1" lang="ja-JP" altLang="en-US" sz="2400" b="1" dirty="0">
               <a:ln w="9525">
@@ -4623,7 +4478,7 @@
           <p:nvPr/>
         </p:nvPicPr>
         <p:blipFill>
-          <a:blip r:embed="rId7" cstate="print">
+          <a:blip r:embed="rId4" cstate="print">
             <a:extLst>
               <a:ext uri="{28A0092B-C50C-407E-A947-70E740481C1C}">
                 <a14:useLocalDpi xmlns:a14="http://schemas.microsoft.com/office/drawing/2010/main" val="0"/>
@@ -4653,7 +4508,7 @@
           <p:nvPr/>
         </p:nvPicPr>
         <p:blipFill>
-          <a:blip r:embed="rId8" cstate="print">
+          <a:blip r:embed="rId5" cstate="print">
             <a:extLst>
               <a:ext uri="{28A0092B-C50C-407E-A947-70E740481C1C}">
                 <a14:useLocalDpi xmlns:a14="http://schemas.microsoft.com/office/drawing/2010/main" val="0"/>
@@ -4825,7 +4680,7 @@
           <p:nvPr/>
         </p:nvPicPr>
         <p:blipFill>
-          <a:blip r:embed="rId9" cstate="print">
+          <a:blip r:embed="rId6" cstate="print">
             <a:extLst>
               <a:ext uri="{28A0092B-C50C-407E-A947-70E740481C1C}">
                 <a14:useLocalDpi xmlns:a14="http://schemas.microsoft.com/office/drawing/2010/main" val="0"/>
@@ -4855,7 +4710,7 @@
           <p:nvPr/>
         </p:nvPicPr>
         <p:blipFill>
-          <a:blip r:embed="rId10">
+          <a:blip r:embed="rId7">
             <a:extLst>
               <a:ext uri="{28A0092B-C50C-407E-A947-70E740481C1C}">
                 <a14:useLocalDpi xmlns:a14="http://schemas.microsoft.com/office/drawing/2010/main" val="0"/>
@@ -4868,7 +4723,7 @@
         </p:blipFill>
         <p:spPr>
           <a:xfrm>
-            <a:off x="6366721" y="5106696"/>
+            <a:off x="6454222" y="5105049"/>
             <a:ext cx="2125294" cy="1123645"/>
           </a:xfrm>
           <a:prstGeom prst="rect">
@@ -4885,7 +4740,7 @@
           <p:nvPr/>
         </p:nvPicPr>
         <p:blipFill>
-          <a:blip r:embed="rId11" cstate="print">
+          <a:blip r:embed="rId8" cstate="print">
             <a:extLst>
               <a:ext uri="{28A0092B-C50C-407E-A947-70E740481C1C}">
                 <a14:useLocalDpi xmlns:a14="http://schemas.microsoft.com/office/drawing/2010/main" val="0"/>
@@ -4898,7 +4753,7 @@
         </p:blipFill>
         <p:spPr>
           <a:xfrm>
-            <a:off x="8741734" y="5132869"/>
+            <a:off x="8806289" y="5099482"/>
             <a:ext cx="2148041" cy="1123645"/>
           </a:xfrm>
           <a:prstGeom prst="rect">
@@ -5093,23 +4948,59 @@
           <p:nvPr/>
         </p:nvSpPr>
         <p:spPr>
-          <a:xfrm rot="20181991">
-            <a:off x="7663145" y="2365360"/>
-            <a:ext cx="1709539" cy="369332"/>
+          <a:xfrm>
+            <a:off x="7637112" y="2019578"/>
+            <a:ext cx="3573673" cy="2585323"/>
           </a:xfrm>
           <a:prstGeom prst="rect">
             <a:avLst/>
           </a:prstGeom>
-          <a:noFill/>
         </p:spPr>
+        <p:style>
+          <a:lnRef idx="0">
+            <a:schemeClr val="accent3"/>
+          </a:lnRef>
+          <a:fillRef idx="3">
+            <a:schemeClr val="accent3"/>
+          </a:fillRef>
+          <a:effectRef idx="3">
+            <a:schemeClr val="accent3"/>
+          </a:effectRef>
+          <a:fontRef idx="minor">
+            <a:schemeClr val="lt1"/>
+          </a:fontRef>
+        </p:style>
         <p:txBody>
           <a:bodyPr wrap="square" rtlCol="0">
             <a:spAutoFit/>
           </a:bodyPr>
           <a:lstStyle/>
           <a:p>
-            <a:r>
-              <a:rPr lang="en-US" altLang="ja-JP" b="1" dirty="0">
+            <a:pPr algn="ctr"/>
+            <a:r>
+              <a:rPr lang="ja-JP" altLang="en-US" b="1" dirty="0" smtClean="0">
+                <a:ln w="9525">
+                  <a:solidFill>
+                    <a:schemeClr val="bg1"/>
+                  </a:solidFill>
+                  <a:prstDash val="solid"/>
+                </a:ln>
+                <a:solidFill>
+                  <a:srgbClr val="FF0000"/>
+                </a:solidFill>
+                <a:effectLst>
+                  <a:outerShdw blurRad="12700" dist="38100" dir="2700000" algn="tl" rotWithShape="0">
+                    <a:schemeClr val="accent5">
+                      <a:lumMod val="60000"/>
+                      <a:lumOff val="40000"/>
+                    </a:schemeClr>
+                  </a:outerShdw>
+                </a:effectLst>
+              </a:rPr>
+              <a:t>お菓子を</a:t>
+            </a:r>
+            <a:r>
+              <a:rPr lang="en-US" altLang="ja-JP" b="1" dirty="0" smtClean="0">
                 <a:ln w="9525">
                   <a:solidFill>
                     <a:schemeClr val="bg1"/>
@@ -5150,8 +5041,206 @@
                   </a:outerShdw>
                 </a:effectLst>
               </a:rPr>
-              <a:t>人占めじゃー</a:t>
-            </a:r>
+              <a:t>人占めじゃ</a:t>
+            </a:r>
+            <a:r>
+              <a:rPr kumimoji="1" lang="ja-JP" altLang="en-US" b="1" dirty="0" smtClean="0">
+                <a:ln w="9525">
+                  <a:solidFill>
+                    <a:schemeClr val="bg1"/>
+                  </a:solidFill>
+                  <a:prstDash val="solid"/>
+                </a:ln>
+                <a:solidFill>
+                  <a:srgbClr val="FF0000"/>
+                </a:solidFill>
+                <a:effectLst>
+                  <a:outerShdw blurRad="12700" dist="38100" dir="2700000" algn="tl" rotWithShape="0">
+                    <a:schemeClr val="accent5">
+                      <a:lumMod val="60000"/>
+                      <a:lumOff val="40000"/>
+                    </a:schemeClr>
+                  </a:outerShdw>
+                </a:effectLst>
+              </a:rPr>
+              <a:t>ー！</a:t>
+            </a:r>
+            <a:endParaRPr kumimoji="1" lang="en-US" altLang="ja-JP" b="1" dirty="0" smtClean="0">
+              <a:ln w="9525">
+                <a:solidFill>
+                  <a:schemeClr val="bg1"/>
+                </a:solidFill>
+                <a:prstDash val="solid"/>
+              </a:ln>
+              <a:solidFill>
+                <a:srgbClr val="FF0000"/>
+              </a:solidFill>
+              <a:effectLst>
+                <a:outerShdw blurRad="12700" dist="38100" dir="2700000" algn="tl" rotWithShape="0">
+                  <a:schemeClr val="accent5">
+                    <a:lumMod val="60000"/>
+                    <a:lumOff val="40000"/>
+                  </a:schemeClr>
+                </a:outerShdw>
+              </a:effectLst>
+            </a:endParaRPr>
+          </a:p>
+          <a:p>
+            <a:pPr algn="ctr"/>
+            <a:endParaRPr lang="en-US" altLang="ja-JP" b="1" dirty="0">
+              <a:ln w="9525">
+                <a:solidFill>
+                  <a:schemeClr val="bg1"/>
+                </a:solidFill>
+                <a:prstDash val="solid"/>
+              </a:ln>
+              <a:solidFill>
+                <a:srgbClr val="FF0000"/>
+              </a:solidFill>
+              <a:effectLst>
+                <a:outerShdw blurRad="12700" dist="38100" dir="2700000" algn="tl" rotWithShape="0">
+                  <a:schemeClr val="accent5">
+                    <a:lumMod val="60000"/>
+                    <a:lumOff val="40000"/>
+                  </a:schemeClr>
+                </a:outerShdw>
+              </a:effectLst>
+            </a:endParaRPr>
+          </a:p>
+          <a:p>
+            <a:pPr algn="ctr"/>
+            <a:endParaRPr kumimoji="1" lang="en-US" altLang="ja-JP" b="1" dirty="0" smtClean="0">
+              <a:ln w="9525">
+                <a:solidFill>
+                  <a:schemeClr val="bg1"/>
+                </a:solidFill>
+                <a:prstDash val="solid"/>
+              </a:ln>
+              <a:solidFill>
+                <a:srgbClr val="FF0000"/>
+              </a:solidFill>
+              <a:effectLst>
+                <a:outerShdw blurRad="12700" dist="38100" dir="2700000" algn="tl" rotWithShape="0">
+                  <a:schemeClr val="accent5">
+                    <a:lumMod val="60000"/>
+                    <a:lumOff val="40000"/>
+                  </a:schemeClr>
+                </a:outerShdw>
+              </a:effectLst>
+            </a:endParaRPr>
+          </a:p>
+          <a:p>
+            <a:pPr algn="ctr"/>
+            <a:endParaRPr lang="en-US" altLang="ja-JP" b="1" dirty="0">
+              <a:ln w="9525">
+                <a:solidFill>
+                  <a:schemeClr val="bg1"/>
+                </a:solidFill>
+                <a:prstDash val="solid"/>
+              </a:ln>
+              <a:solidFill>
+                <a:srgbClr val="FF0000"/>
+              </a:solidFill>
+              <a:effectLst>
+                <a:outerShdw blurRad="12700" dist="38100" dir="2700000" algn="tl" rotWithShape="0">
+                  <a:schemeClr val="accent5">
+                    <a:lumMod val="60000"/>
+                    <a:lumOff val="40000"/>
+                  </a:schemeClr>
+                </a:outerShdw>
+              </a:effectLst>
+            </a:endParaRPr>
+          </a:p>
+          <a:p>
+            <a:pPr algn="ctr"/>
+            <a:endParaRPr kumimoji="1" lang="en-US" altLang="ja-JP" b="1" dirty="0" smtClean="0">
+              <a:ln w="9525">
+                <a:solidFill>
+                  <a:schemeClr val="bg1"/>
+                </a:solidFill>
+                <a:prstDash val="solid"/>
+              </a:ln>
+              <a:solidFill>
+                <a:srgbClr val="FF0000"/>
+              </a:solidFill>
+              <a:effectLst>
+                <a:outerShdw blurRad="12700" dist="38100" dir="2700000" algn="tl" rotWithShape="0">
+                  <a:schemeClr val="accent5">
+                    <a:lumMod val="60000"/>
+                    <a:lumOff val="40000"/>
+                  </a:schemeClr>
+                </a:outerShdw>
+              </a:effectLst>
+            </a:endParaRPr>
+          </a:p>
+          <a:p>
+            <a:pPr algn="ctr"/>
+            <a:endParaRPr lang="en-US" altLang="ja-JP" b="1" dirty="0">
+              <a:ln w="9525">
+                <a:solidFill>
+                  <a:schemeClr val="bg1"/>
+                </a:solidFill>
+                <a:prstDash val="solid"/>
+              </a:ln>
+              <a:solidFill>
+                <a:srgbClr val="FF0000"/>
+              </a:solidFill>
+              <a:effectLst>
+                <a:outerShdw blurRad="12700" dist="38100" dir="2700000" algn="tl" rotWithShape="0">
+                  <a:schemeClr val="accent5">
+                    <a:lumMod val="60000"/>
+                    <a:lumOff val="40000"/>
+                  </a:schemeClr>
+                </a:outerShdw>
+              </a:effectLst>
+            </a:endParaRPr>
+          </a:p>
+          <a:p>
+            <a:pPr algn="ctr"/>
+            <a:endParaRPr kumimoji="1" lang="en-US" altLang="ja-JP" b="1" dirty="0" smtClean="0">
+              <a:ln w="9525">
+                <a:solidFill>
+                  <a:schemeClr val="bg1"/>
+                </a:solidFill>
+                <a:prstDash val="solid"/>
+              </a:ln>
+              <a:solidFill>
+                <a:srgbClr val="FF0000"/>
+              </a:solidFill>
+              <a:effectLst>
+                <a:outerShdw blurRad="12700" dist="38100" dir="2700000" algn="tl" rotWithShape="0">
+                  <a:schemeClr val="accent5">
+                    <a:lumMod val="60000"/>
+                    <a:lumOff val="40000"/>
+                  </a:schemeClr>
+                </a:outerShdw>
+              </a:effectLst>
+            </a:endParaRPr>
+          </a:p>
+          <a:p>
+            <a:pPr algn="ctr"/>
+            <a:endParaRPr lang="en-US" altLang="ja-JP" b="1" dirty="0">
+              <a:ln w="9525">
+                <a:solidFill>
+                  <a:schemeClr val="bg1"/>
+                </a:solidFill>
+                <a:prstDash val="solid"/>
+              </a:ln>
+              <a:solidFill>
+                <a:srgbClr val="FF0000"/>
+              </a:solidFill>
+              <a:effectLst>
+                <a:outerShdw blurRad="12700" dist="38100" dir="2700000" algn="tl" rotWithShape="0">
+                  <a:schemeClr val="accent5">
+                    <a:lumMod val="60000"/>
+                    <a:lumOff val="40000"/>
+                  </a:schemeClr>
+                </a:outerShdw>
+              </a:effectLst>
+            </a:endParaRPr>
+          </a:p>
+          <a:p>
+            <a:pPr algn="ctr"/>
             <a:endParaRPr kumimoji="1" lang="ja-JP" altLang="en-US" b="1" dirty="0">
               <a:ln w="9525">
                 <a:solidFill>
@@ -5235,7 +5324,7 @@
         </p:nvSpPr>
         <p:spPr>
           <a:xfrm rot="16200000">
-            <a:off x="11144151" y="2052539"/>
+            <a:off x="11144151" y="2062181"/>
             <a:ext cx="1182621" cy="1274830"/>
           </a:xfrm>
           <a:prstGeom prst="flowChartDelay">
@@ -5291,7 +5380,7 @@
           <p:nvPr/>
         </p:nvPicPr>
         <p:blipFill>
-          <a:blip r:embed="rId12" cstate="print">
+          <a:blip r:embed="rId9" cstate="print">
             <a:extLst>
               <a:ext uri="{28A0092B-C50C-407E-A947-70E740481C1C}">
                 <a14:useLocalDpi xmlns:a14="http://schemas.microsoft.com/office/drawing/2010/main" val="0"/>
@@ -5321,6 +5410,173 @@
           <p:nvPr/>
         </p:nvPicPr>
         <p:blipFill>
+          <a:blip r:embed="rId10" cstate="print">
+            <a:extLst>
+              <a:ext uri="{28A0092B-C50C-407E-A947-70E740481C1C}">
+                <a14:useLocalDpi xmlns:a14="http://schemas.microsoft.com/office/drawing/2010/main" val="0"/>
+              </a:ext>
+            </a:extLst>
+          </a:blip>
+          <a:stretch>
+            <a:fillRect/>
+          </a:stretch>
+        </p:blipFill>
+        <p:spPr>
+          <a:xfrm flipH="1">
+            <a:off x="10214141" y="2678265"/>
+            <a:ext cx="914593" cy="643073"/>
+          </a:xfrm>
+          <a:prstGeom prst="rect">
+            <a:avLst/>
+          </a:prstGeom>
+        </p:spPr>
+      </p:pic>
+      <p:pic>
+        <p:nvPicPr>
+          <p:cNvPr id="59" name="図 58"/>
+          <p:cNvPicPr>
+            <a:picLocks noChangeAspect="1"/>
+          </p:cNvPicPr>
+          <p:nvPr/>
+        </p:nvPicPr>
+        <p:blipFill>
+          <a:blip r:embed="rId11" cstate="print">
+            <a:extLst>
+              <a:ext uri="{28A0092B-C50C-407E-A947-70E740481C1C}">
+                <a14:useLocalDpi xmlns:a14="http://schemas.microsoft.com/office/drawing/2010/main" val="0"/>
+              </a:ext>
+            </a:extLst>
+          </a:blip>
+          <a:stretch>
+            <a:fillRect/>
+          </a:stretch>
+        </p:blipFill>
+        <p:spPr>
+          <a:xfrm>
+            <a:off x="8341249" y="2387356"/>
+            <a:ext cx="1056039" cy="1175578"/>
+          </a:xfrm>
+          <a:prstGeom prst="rect">
+            <a:avLst/>
+          </a:prstGeom>
+        </p:spPr>
+      </p:pic>
+      <p:pic>
+        <p:nvPicPr>
+          <p:cNvPr id="48" name="図 47"/>
+          <p:cNvPicPr>
+            <a:picLocks noChangeAspect="1"/>
+          </p:cNvPicPr>
+          <p:nvPr/>
+        </p:nvPicPr>
+        <p:blipFill>
+          <a:blip r:embed="rId12" cstate="print">
+            <a:extLst>
+              <a:ext uri="{28A0092B-C50C-407E-A947-70E740481C1C}">
+                <a14:useLocalDpi xmlns:a14="http://schemas.microsoft.com/office/drawing/2010/main" val="0"/>
+              </a:ext>
+            </a:extLst>
+          </a:blip>
+          <a:stretch>
+            <a:fillRect/>
+          </a:stretch>
+        </p:blipFill>
+        <p:spPr>
+          <a:xfrm>
+            <a:off x="9118698" y="2479846"/>
+            <a:ext cx="1313762" cy="1188224"/>
+          </a:xfrm>
+          <a:prstGeom prst="rect">
+            <a:avLst/>
+          </a:prstGeom>
+        </p:spPr>
+      </p:pic>
+      <p:sp>
+        <p:nvSpPr>
+          <p:cNvPr id="16" name="テキスト ボックス 15"/>
+          <p:cNvSpPr txBox="1"/>
+          <p:nvPr/>
+        </p:nvSpPr>
+        <p:spPr>
+          <a:xfrm>
+            <a:off x="7090391" y="4335369"/>
+            <a:ext cx="4313057" cy="646331"/>
+          </a:xfrm>
+          <a:prstGeom prst="rect">
+            <a:avLst/>
+          </a:prstGeom>
+        </p:spPr>
+        <p:style>
+          <a:lnRef idx="3">
+            <a:schemeClr val="lt1"/>
+          </a:lnRef>
+          <a:fillRef idx="1">
+            <a:schemeClr val="accent3"/>
+          </a:fillRef>
+          <a:effectRef idx="1">
+            <a:schemeClr val="accent3"/>
+          </a:effectRef>
+          <a:fontRef idx="minor">
+            <a:schemeClr val="lt1"/>
+          </a:fontRef>
+        </p:style>
+        <p:txBody>
+          <a:bodyPr wrap="square" rtlCol="0">
+            <a:spAutoFit/>
+          </a:bodyPr>
+          <a:lstStyle/>
+          <a:p>
+            <a:r>
+              <a:rPr kumimoji="1" lang="ja-JP" altLang="en-US" b="1" dirty="0" smtClean="0">
+                <a:ln w="6600">
+                  <a:solidFill>
+                    <a:srgbClr val="993300"/>
+                  </a:solidFill>
+                  <a:prstDash val="solid"/>
+                </a:ln>
+                <a:solidFill>
+                  <a:schemeClr val="bg1"/>
+                </a:solidFill>
+                <a:effectLst>
+                  <a:outerShdw dist="38100" dir="2700000" algn="tl" rotWithShape="0">
+                    <a:schemeClr val="accent2"/>
+                  </a:outerShdw>
+                </a:effectLst>
+                <a:latin typeface="HGP創英角ﾎﾟｯﾌﾟ体" panose="040B0A00000000000000" pitchFamily="50" charset="-128"/>
+                <a:ea typeface="HGP創英角ﾎﾟｯﾌﾟ体" panose="040B0A00000000000000" pitchFamily="50" charset="-128"/>
+              </a:rPr>
+              <a:t>家を留守にした飼い主、勝手にお菓子を運び込んでいるネズミ達！</a:t>
+            </a:r>
+            <a:endParaRPr kumimoji="1" lang="en-US" altLang="ja-JP" b="1" dirty="0" smtClean="0">
+              <a:ln w="6600">
+                <a:solidFill>
+                  <a:srgbClr val="993300"/>
+                </a:solidFill>
+                <a:prstDash val="solid"/>
+              </a:ln>
+              <a:solidFill>
+                <a:schemeClr val="bg1"/>
+              </a:solidFill>
+              <a:effectLst>
+                <a:outerShdw dist="38100" dir="2700000" algn="tl" rotWithShape="0">
+                  <a:schemeClr val="accent2"/>
+                </a:outerShdw>
+              </a:effectLst>
+              <a:latin typeface="HGP創英角ﾎﾟｯﾌﾟ体" panose="040B0A00000000000000" pitchFamily="50" charset="-128"/>
+              <a:ea typeface="HGP創英角ﾎﾟｯﾌﾟ体" panose="040B0A00000000000000" pitchFamily="50" charset="-128"/>
+            </a:endParaRPr>
+          </a:p>
+        </p:txBody>
+      </p:sp>
+      <p:pic>
+        <p:nvPicPr>
+          <p:cNvPr id="50" name="図 49"/>
+          <p:cNvPicPr>
+            <a:picLocks noChangeAspect="1"/>
+          </p:cNvPicPr>
+          <p:nvPr/>
+        </p:nvPicPr>
+        <p:blipFill>
           <a:blip r:embed="rId13" cstate="print">
             <a:extLst>
               <a:ext uri="{28A0092B-C50C-407E-A947-70E740481C1C}">
@@ -5333,15 +5589,53 @@
           </a:stretch>
         </p:blipFill>
         <p:spPr>
-          <a:xfrm flipH="1">
-            <a:off x="10244502" y="2669266"/>
-            <a:ext cx="914593" cy="643073"/>
+          <a:xfrm>
+            <a:off x="7516869" y="3404736"/>
+            <a:ext cx="3886579" cy="1009942"/>
           </a:xfrm>
           <a:prstGeom prst="rect">
             <a:avLst/>
           </a:prstGeom>
         </p:spPr>
       </p:pic>
+      <p:sp>
+        <p:nvSpPr>
+          <p:cNvPr id="49" name="右矢印 48"/>
+          <p:cNvSpPr/>
+          <p:nvPr/>
+        </p:nvSpPr>
+        <p:spPr>
+          <a:xfrm rot="303978">
+            <a:off x="1290408" y="2562204"/>
+            <a:ext cx="6697204" cy="494623"/>
+          </a:xfrm>
+          <a:prstGeom prst="rightArrow">
+            <a:avLst/>
+          </a:prstGeom>
+        </p:spPr>
+        <p:style>
+          <a:lnRef idx="1">
+            <a:schemeClr val="accent2"/>
+          </a:lnRef>
+          <a:fillRef idx="2">
+            <a:schemeClr val="accent2"/>
+          </a:fillRef>
+          <a:effectRef idx="1">
+            <a:schemeClr val="accent2"/>
+          </a:effectRef>
+          <a:fontRef idx="minor">
+            <a:schemeClr val="dk1"/>
+          </a:fontRef>
+        </p:style>
+        <p:txBody>
+          <a:bodyPr rtlCol="0" anchor="ctr"/>
+          <a:lstStyle/>
+          <a:p>
+            <a:pPr algn="ctr"/>
+            <a:endParaRPr kumimoji="1" lang="ja-JP" altLang="en-US"/>
+          </a:p>
+        </p:txBody>
+      </p:sp>
     </p:spTree>
     <p:extLst>
       <p:ext uri="{BB962C8B-B14F-4D97-AF65-F5344CB8AC3E}">
